--- a/Taman Lagu Nusantara.pptx
+++ b/Taman Lagu Nusantara.pptx
@@ -13354,6 +13354,283 @@
           </a:p>
         </p:txBody>
       </p:sp>
+      <p:sp>
+        <p:nvSpPr>
+          <p:cNvPr id="4" name="Subtitle 2"/>
+          <p:cNvSpPr txBox="1">
+            <a:spLocks/>
+          </p:cNvSpPr>
+          <p:nvPr/>
+        </p:nvSpPr>
+        <p:spPr bwMode="gray">
+          <a:xfrm>
+            <a:off x="8384962" y="5303268"/>
+            <a:ext cx="3191301" cy="861420"/>
+          </a:xfrm>
+          <a:prstGeom prst="rect">
+            <a:avLst/>
+          </a:prstGeom>
+        </p:spPr>
+        <p:txBody>
+          <a:bodyPr vert="horz" lIns="91440" tIns="45720" rIns="91440" bIns="45720" rtlCol="0" anchor="t">
+            <a:normAutofit fontScale="77500" lnSpcReduction="20000"/>
+          </a:bodyPr>
+          <a:lstStyle>
+            <a:lvl1pPr marL="0" indent="0" algn="l" defTabSz="457200" rtl="0" eaLnBrk="1" latinLnBrk="0" hangingPunct="1">
+              <a:spcBef>
+                <a:spcPts val="1000"/>
+              </a:spcBef>
+              <a:spcAft>
+                <a:spcPts val="0"/>
+              </a:spcAft>
+              <a:buClr>
+                <a:schemeClr val="accent1"/>
+              </a:buClr>
+              <a:buSzPct val="80000"/>
+              <a:buFont typeface="Wingdings 3" charset="2"/>
+              <a:buNone/>
+              <a:defRPr sz="1800" b="0" i="0" kern="1200" cap="all">
+                <a:solidFill>
+                  <a:schemeClr val="accent1">
+                    <a:lumMod val="60000"/>
+                    <a:lumOff val="40000"/>
+                  </a:schemeClr>
+                </a:solidFill>
+                <a:latin typeface="+mn-lt"/>
+                <a:ea typeface="+mn-ea"/>
+                <a:cs typeface="+mn-cs"/>
+              </a:defRPr>
+            </a:lvl1pPr>
+            <a:lvl2pPr marL="457200" indent="0" algn="ctr" defTabSz="457200" rtl="0" eaLnBrk="1" latinLnBrk="0" hangingPunct="1">
+              <a:spcBef>
+                <a:spcPts val="1000"/>
+              </a:spcBef>
+              <a:spcAft>
+                <a:spcPts val="0"/>
+              </a:spcAft>
+              <a:buClr>
+                <a:schemeClr val="accent1"/>
+              </a:buClr>
+              <a:buSzPct val="80000"/>
+              <a:buFont typeface="Wingdings 3" charset="2"/>
+              <a:buNone/>
+              <a:defRPr sz="1600" b="0" i="0" kern="1200">
+                <a:solidFill>
+                  <a:schemeClr val="tx1">
+                    <a:tint val="75000"/>
+                  </a:schemeClr>
+                </a:solidFill>
+                <a:latin typeface="+mn-lt"/>
+                <a:ea typeface="+mn-ea"/>
+                <a:cs typeface="+mn-cs"/>
+              </a:defRPr>
+            </a:lvl2pPr>
+            <a:lvl3pPr marL="914400" indent="0" algn="ctr" defTabSz="457200" rtl="0" eaLnBrk="1" latinLnBrk="0" hangingPunct="1">
+              <a:spcBef>
+                <a:spcPts val="1000"/>
+              </a:spcBef>
+              <a:spcAft>
+                <a:spcPts val="0"/>
+              </a:spcAft>
+              <a:buClr>
+                <a:schemeClr val="accent1"/>
+              </a:buClr>
+              <a:buSzPct val="80000"/>
+              <a:buFont typeface="Wingdings 3" charset="2"/>
+              <a:buNone/>
+              <a:defRPr sz="1400" b="0" i="0" kern="1200">
+                <a:solidFill>
+                  <a:schemeClr val="tx1">
+                    <a:tint val="75000"/>
+                  </a:schemeClr>
+                </a:solidFill>
+                <a:latin typeface="+mn-lt"/>
+                <a:ea typeface="+mn-ea"/>
+                <a:cs typeface="+mn-cs"/>
+              </a:defRPr>
+            </a:lvl3pPr>
+            <a:lvl4pPr marL="1371600" indent="0" algn="ctr" defTabSz="457200" rtl="0" eaLnBrk="1" latinLnBrk="0" hangingPunct="1">
+              <a:spcBef>
+                <a:spcPts val="1000"/>
+              </a:spcBef>
+              <a:spcAft>
+                <a:spcPts val="0"/>
+              </a:spcAft>
+              <a:buClr>
+                <a:schemeClr val="accent1"/>
+              </a:buClr>
+              <a:buSzPct val="80000"/>
+              <a:buFont typeface="Wingdings 3" charset="2"/>
+              <a:buNone/>
+              <a:defRPr sz="1200" b="0" i="0" kern="1200">
+                <a:solidFill>
+                  <a:schemeClr val="tx1">
+                    <a:tint val="75000"/>
+                  </a:schemeClr>
+                </a:solidFill>
+                <a:latin typeface="+mn-lt"/>
+                <a:ea typeface="+mn-ea"/>
+                <a:cs typeface="+mn-cs"/>
+              </a:defRPr>
+            </a:lvl4pPr>
+            <a:lvl5pPr marL="1828800" indent="0" algn="ctr" defTabSz="457200" rtl="0" eaLnBrk="1" latinLnBrk="0" hangingPunct="1">
+              <a:spcBef>
+                <a:spcPts val="1000"/>
+              </a:spcBef>
+              <a:spcAft>
+                <a:spcPts val="0"/>
+              </a:spcAft>
+              <a:buClr>
+                <a:schemeClr val="accent1"/>
+              </a:buClr>
+              <a:buSzPct val="80000"/>
+              <a:buFont typeface="Wingdings 3" charset="2"/>
+              <a:buNone/>
+              <a:defRPr sz="1200" b="0" i="0" kern="1200">
+                <a:solidFill>
+                  <a:schemeClr val="tx1">
+                    <a:tint val="75000"/>
+                  </a:schemeClr>
+                </a:solidFill>
+                <a:latin typeface="+mn-lt"/>
+                <a:ea typeface="+mn-ea"/>
+                <a:cs typeface="+mn-cs"/>
+              </a:defRPr>
+            </a:lvl5pPr>
+            <a:lvl6pPr marL="2286000" indent="0" algn="ctr" defTabSz="457200" rtl="0" eaLnBrk="1" latinLnBrk="0" hangingPunct="1">
+              <a:spcBef>
+                <a:spcPts val="1000"/>
+              </a:spcBef>
+              <a:spcAft>
+                <a:spcPts val="0"/>
+              </a:spcAft>
+              <a:buClr>
+                <a:schemeClr val="accent1"/>
+              </a:buClr>
+              <a:buSzPct val="80000"/>
+              <a:buFont typeface="Wingdings 3" charset="2"/>
+              <a:buNone/>
+              <a:defRPr sz="1200" b="0" i="0" kern="1200">
+                <a:solidFill>
+                  <a:schemeClr val="tx1">
+                    <a:tint val="75000"/>
+                  </a:schemeClr>
+                </a:solidFill>
+                <a:latin typeface="+mn-lt"/>
+                <a:ea typeface="+mn-ea"/>
+                <a:cs typeface="+mn-cs"/>
+              </a:defRPr>
+            </a:lvl6pPr>
+            <a:lvl7pPr marL="2743200" indent="0" algn="ctr" defTabSz="457200" rtl="0" eaLnBrk="1" latinLnBrk="0" hangingPunct="1">
+              <a:spcBef>
+                <a:spcPts val="1000"/>
+              </a:spcBef>
+              <a:spcAft>
+                <a:spcPts val="0"/>
+              </a:spcAft>
+              <a:buClr>
+                <a:schemeClr val="accent1"/>
+              </a:buClr>
+              <a:buSzPct val="80000"/>
+              <a:buFont typeface="Wingdings 3" charset="2"/>
+              <a:buNone/>
+              <a:defRPr sz="1200" b="0" i="0" kern="1200">
+                <a:solidFill>
+                  <a:schemeClr val="tx1">
+                    <a:tint val="75000"/>
+                  </a:schemeClr>
+                </a:solidFill>
+                <a:latin typeface="+mn-lt"/>
+                <a:ea typeface="+mn-ea"/>
+                <a:cs typeface="+mn-cs"/>
+              </a:defRPr>
+            </a:lvl7pPr>
+            <a:lvl8pPr marL="3200400" indent="0" algn="ctr" defTabSz="457200" rtl="0" eaLnBrk="1" latinLnBrk="0" hangingPunct="1">
+              <a:spcBef>
+                <a:spcPts val="1000"/>
+              </a:spcBef>
+              <a:spcAft>
+                <a:spcPts val="0"/>
+              </a:spcAft>
+              <a:buClr>
+                <a:schemeClr val="accent1"/>
+              </a:buClr>
+              <a:buSzPct val="80000"/>
+              <a:buFont typeface="Wingdings 3" charset="2"/>
+              <a:buNone/>
+              <a:defRPr sz="1200" b="0" i="0" kern="1200">
+                <a:solidFill>
+                  <a:schemeClr val="tx1">
+                    <a:tint val="75000"/>
+                  </a:schemeClr>
+                </a:solidFill>
+                <a:latin typeface="+mn-lt"/>
+                <a:ea typeface="+mn-ea"/>
+                <a:cs typeface="+mn-cs"/>
+              </a:defRPr>
+            </a:lvl8pPr>
+            <a:lvl9pPr marL="3657600" indent="0" algn="ctr" defTabSz="457200" rtl="0" eaLnBrk="1" latinLnBrk="0" hangingPunct="1">
+              <a:spcBef>
+                <a:spcPts val="1000"/>
+              </a:spcBef>
+              <a:spcAft>
+                <a:spcPts val="0"/>
+              </a:spcAft>
+              <a:buClr>
+                <a:schemeClr val="accent1"/>
+              </a:buClr>
+              <a:buSzPct val="80000"/>
+              <a:buFont typeface="Wingdings 3" charset="2"/>
+              <a:buNone/>
+              <a:defRPr sz="1200" b="0" i="0" kern="1200">
+                <a:solidFill>
+                  <a:schemeClr val="tx1">
+                    <a:tint val="75000"/>
+                  </a:schemeClr>
+                </a:solidFill>
+                <a:latin typeface="+mn-lt"/>
+                <a:ea typeface="+mn-ea"/>
+                <a:cs typeface="+mn-cs"/>
+              </a:defRPr>
+            </a:lvl9pPr>
+          </a:lstStyle>
+          <a:p>
+            <a:r>
+              <a:rPr lang="en-US" dirty="0" smtClean="0"/>
+              <a:t>Usman HCI-B</a:t>
+            </a:r>
+          </a:p>
+          <a:p>
+            <a:r>
+              <a:rPr lang="en-US" dirty="0" err="1" smtClean="0"/>
+              <a:t>Fahrun</a:t>
+            </a:r>
+            <a:r>
+              <a:rPr lang="en-US" dirty="0" smtClean="0"/>
+              <a:t> HCI-b</a:t>
+            </a:r>
+          </a:p>
+          <a:p>
+            <a:r>
+              <a:rPr lang="en-US" dirty="0" err="1" smtClean="0"/>
+              <a:t>Epafras</a:t>
+            </a:r>
+            <a:r>
+              <a:rPr lang="en-US" dirty="0" smtClean="0"/>
+              <a:t> </a:t>
+            </a:r>
+            <a:r>
+              <a:rPr lang="en-US" dirty="0" err="1" smtClean="0"/>
+              <a:t>hci</a:t>
+            </a:r>
+            <a:r>
+              <a:rPr lang="en-US" dirty="0" smtClean="0"/>
+              <a:t>-A</a:t>
+            </a:r>
+            <a:endParaRPr lang="en-US" dirty="0"/>
+          </a:p>
+        </p:txBody>
+      </p:sp>
     </p:spTree>
     <p:extLst>
       <p:ext uri="{BB962C8B-B14F-4D97-AF65-F5344CB8AC3E}">
@@ -14128,19 +14405,11 @@
           <a:p>
             <a:r>
               <a:rPr lang="en-US" dirty="0"/>
-              <a:t>http</a:t>
-            </a:r>
-            <a:r>
-              <a:rPr lang="en-US"/>
-              <a:t>://</a:t>
-            </a:r>
-            <a:r>
-              <a:rPr lang="en-US" smtClean="0"/>
-              <a:t>tamanlagunusantara.netne.net(hosting</a:t>
+              <a:t>http://</a:t>
             </a:r>
             <a:r>
               <a:rPr lang="en-US" dirty="0" smtClean="0"/>
-              <a:t>)</a:t>
+              <a:t>tamanlagunusantara.netne.net(hosting)</a:t>
             </a:r>
             <a:endParaRPr lang="en-US" dirty="0"/>
           </a:p>
